--- a/data/G7/1.pptx
+++ b/data/G7/1.pptx
@@ -3342,10 +3342,10 @@
       </p:grpSpPr>
       <p:sp>
         <p:nvSpPr>
-          <p:cNvPr id="2" name="文本框 1">
-            <a:extLst>
-              <a:ext uri="{FF2B5EF4-FFF2-40B4-BE49-F238E27FC236}">
-                <a16:creationId xmlns:a16="http://schemas.microsoft.com/office/drawing/2014/main" id="{DCB0FCD0-5D71-E042-99AF-165899D06E16}"/>
+          <p:cNvPr id="3" name="文本框 2">
+            <a:extLst>
+              <a:ext uri="{FF2B5EF4-FFF2-40B4-BE49-F238E27FC236}">
+                <a16:creationId xmlns:a16="http://schemas.microsoft.com/office/drawing/2014/main" id="{CFD27CDA-64D0-FD45-BBCD-AE551607684B}"/>
               </a:ext>
             </a:extLst>
           </p:cNvPr>
@@ -3354,8 +3354,8 @@
         </p:nvSpPr>
         <p:spPr>
           <a:xfrm>
-            <a:off x="4876800" y="809297"/>
-            <a:ext cx="2957861" cy="923330"/>
+            <a:off x="10951779" y="3342290"/>
+            <a:ext cx="415498" cy="369332"/>
           </a:xfrm>
           <a:prstGeom prst="rect">
             <a:avLst/>
@@ -3370,21 +3370,511 @@
           <a:p>
             <a:r>
               <a:rPr lang="zh-CN" altLang="en-US" dirty="0"/>
-              <a:t>①②③④⑤⑥⑦⑧⑨⑩</a:t>
-            </a:r>
-            <a:br>
+              <a:t>①</a:t>
+            </a:r>
+            <a:endParaRPr kumimoji="1" lang="zh-CN" altLang="en-US" dirty="0"/>
+          </a:p>
+        </p:txBody>
+      </p:sp>
+      <p:sp>
+        <p:nvSpPr>
+          <p:cNvPr id="4" name="文本框 3">
+            <a:extLst>
+              <a:ext uri="{FF2B5EF4-FFF2-40B4-BE49-F238E27FC236}">
+                <a16:creationId xmlns:a16="http://schemas.microsoft.com/office/drawing/2014/main" id="{49FCE7AF-BDDF-3D45-B97C-11A3B8265E1D}"/>
+              </a:ext>
+            </a:extLst>
+          </p:cNvPr>
+          <p:cNvSpPr txBox="1"/>
+          <p:nvPr/>
+        </p:nvSpPr>
+        <p:spPr>
+          <a:xfrm>
+            <a:off x="11020435" y="3059668"/>
+            <a:ext cx="415498" cy="369332"/>
+          </a:xfrm>
+          <a:prstGeom prst="rect">
+            <a:avLst/>
+          </a:prstGeom>
+          <a:noFill/>
+        </p:spPr>
+        <p:txBody>
+          <a:bodyPr wrap="none" rtlCol="0">
+            <a:spAutoFit/>
+          </a:bodyPr>
+          <a:lstStyle/>
+          <a:p>
+            <a:r>
               <a:rPr lang="zh-CN" altLang="en-US" dirty="0"/>
-            </a:br>
+              <a:t>②</a:t>
+            </a:r>
+            <a:endParaRPr kumimoji="1" lang="zh-CN" altLang="en-US" dirty="0"/>
+          </a:p>
+        </p:txBody>
+      </p:sp>
+      <p:sp>
+        <p:nvSpPr>
+          <p:cNvPr id="5" name="文本框 4">
+            <a:extLst>
+              <a:ext uri="{FF2B5EF4-FFF2-40B4-BE49-F238E27FC236}">
+                <a16:creationId xmlns:a16="http://schemas.microsoft.com/office/drawing/2014/main" id="{EE87C9CB-A82E-3545-86E1-D4EA012E4E98}"/>
+              </a:ext>
+            </a:extLst>
+          </p:cNvPr>
+          <p:cNvSpPr txBox="1"/>
+          <p:nvPr/>
+        </p:nvSpPr>
+        <p:spPr>
+          <a:xfrm>
+            <a:off x="872359" y="3258207"/>
+            <a:ext cx="415498" cy="369332"/>
+          </a:xfrm>
+          <a:prstGeom prst="rect">
+            <a:avLst/>
+          </a:prstGeom>
+          <a:noFill/>
+        </p:spPr>
+        <p:txBody>
+          <a:bodyPr wrap="none" rtlCol="0">
+            <a:spAutoFit/>
+          </a:bodyPr>
+          <a:lstStyle/>
+          <a:p>
             <a:r>
               <a:rPr lang="zh-CN" altLang="en-US" dirty="0"/>
-              <a:t>⑪⑫⑬⑭⑮⑯⑰⑱⑲⑳</a:t>
-            </a:r>
-            <a:br>
+              <a:t>③</a:t>
+            </a:r>
+            <a:endParaRPr kumimoji="1" lang="zh-CN" altLang="en-US" dirty="0"/>
+          </a:p>
+        </p:txBody>
+      </p:sp>
+      <p:sp>
+        <p:nvSpPr>
+          <p:cNvPr id="6" name="文本框 5">
+            <a:extLst>
+              <a:ext uri="{FF2B5EF4-FFF2-40B4-BE49-F238E27FC236}">
+                <a16:creationId xmlns:a16="http://schemas.microsoft.com/office/drawing/2014/main" id="{7048E0B7-C81F-054F-88E2-FAE33F5356E1}"/>
+              </a:ext>
+            </a:extLst>
+          </p:cNvPr>
+          <p:cNvSpPr txBox="1"/>
+          <p:nvPr/>
+        </p:nvSpPr>
+        <p:spPr>
+          <a:xfrm>
+            <a:off x="2343808" y="901630"/>
+            <a:ext cx="415498" cy="369332"/>
+          </a:xfrm>
+          <a:prstGeom prst="rect">
+            <a:avLst/>
+          </a:prstGeom>
+          <a:noFill/>
+        </p:spPr>
+        <p:txBody>
+          <a:bodyPr wrap="none" rtlCol="0">
+            <a:spAutoFit/>
+          </a:bodyPr>
+          <a:lstStyle/>
+          <a:p>
+            <a:r>
               <a:rPr lang="zh-CN" altLang="en-US" dirty="0"/>
-            </a:br>
+              <a:t>④</a:t>
+            </a:r>
+            <a:endParaRPr kumimoji="1" lang="zh-CN" altLang="en-US" dirty="0"/>
+          </a:p>
+        </p:txBody>
+      </p:sp>
+      <p:sp>
+        <p:nvSpPr>
+          <p:cNvPr id="7" name="文本框 6">
+            <a:extLst>
+              <a:ext uri="{FF2B5EF4-FFF2-40B4-BE49-F238E27FC236}">
+                <a16:creationId xmlns:a16="http://schemas.microsoft.com/office/drawing/2014/main" id="{878B619E-69A4-2142-AE6F-C01E44FB6F39}"/>
+              </a:ext>
+            </a:extLst>
+          </p:cNvPr>
+          <p:cNvSpPr txBox="1"/>
+          <p:nvPr/>
+        </p:nvSpPr>
+        <p:spPr>
+          <a:xfrm>
+            <a:off x="2759306" y="5286704"/>
+            <a:ext cx="415498" cy="369332"/>
+          </a:xfrm>
+          <a:prstGeom prst="rect">
+            <a:avLst/>
+          </a:prstGeom>
+          <a:noFill/>
+        </p:spPr>
+        <p:txBody>
+          <a:bodyPr wrap="none" rtlCol="0">
+            <a:spAutoFit/>
+          </a:bodyPr>
+          <a:lstStyle/>
+          <a:p>
             <a:r>
               <a:rPr lang="zh-CN" altLang="en-US" dirty="0"/>
-              <a:t>㉑㉒㉓㉔㉕㉖㉗㉘㉙㉚</a:t>
+              <a:t>⑤</a:t>
+            </a:r>
+            <a:endParaRPr kumimoji="1" lang="zh-CN" altLang="en-US" dirty="0"/>
+          </a:p>
+        </p:txBody>
+      </p:sp>
+      <p:sp>
+        <p:nvSpPr>
+          <p:cNvPr id="8" name="文本框 7">
+            <a:extLst>
+              <a:ext uri="{FF2B5EF4-FFF2-40B4-BE49-F238E27FC236}">
+                <a16:creationId xmlns:a16="http://schemas.microsoft.com/office/drawing/2014/main" id="{88E627E2-4C30-9D4B-B57F-6B1DFA11D0BD}"/>
+              </a:ext>
+            </a:extLst>
+          </p:cNvPr>
+          <p:cNvSpPr txBox="1"/>
+          <p:nvPr/>
+        </p:nvSpPr>
+        <p:spPr>
+          <a:xfrm>
+            <a:off x="11111892" y="3526956"/>
+            <a:ext cx="415498" cy="369332"/>
+          </a:xfrm>
+          <a:prstGeom prst="rect">
+            <a:avLst/>
+          </a:prstGeom>
+          <a:noFill/>
+        </p:spPr>
+        <p:txBody>
+          <a:bodyPr wrap="none" rtlCol="0">
+            <a:spAutoFit/>
+          </a:bodyPr>
+          <a:lstStyle/>
+          <a:p>
+            <a:r>
+              <a:rPr lang="zh-CN" altLang="en-US" dirty="0"/>
+              <a:t>⑥</a:t>
+            </a:r>
+            <a:endParaRPr kumimoji="1" lang="zh-CN" altLang="en-US" dirty="0"/>
+          </a:p>
+        </p:txBody>
+      </p:sp>
+      <p:sp>
+        <p:nvSpPr>
+          <p:cNvPr id="9" name="文本框 8">
+            <a:extLst>
+              <a:ext uri="{FF2B5EF4-FFF2-40B4-BE49-F238E27FC236}">
+                <a16:creationId xmlns:a16="http://schemas.microsoft.com/office/drawing/2014/main" id="{EB701284-119E-0443-A5F3-871979A42EDF}"/>
+              </a:ext>
+            </a:extLst>
+          </p:cNvPr>
+          <p:cNvSpPr txBox="1"/>
+          <p:nvPr/>
+        </p:nvSpPr>
+        <p:spPr>
+          <a:xfrm>
+            <a:off x="10100441" y="3321269"/>
+            <a:ext cx="415498" cy="369332"/>
+          </a:xfrm>
+          <a:prstGeom prst="rect">
+            <a:avLst/>
+          </a:prstGeom>
+          <a:noFill/>
+        </p:spPr>
+        <p:txBody>
+          <a:bodyPr wrap="none" rtlCol="0">
+            <a:spAutoFit/>
+          </a:bodyPr>
+          <a:lstStyle/>
+          <a:p>
+            <a:r>
+              <a:rPr lang="zh-CN" altLang="en-US" dirty="0"/>
+              <a:t>⑦</a:t>
+            </a:r>
+            <a:endParaRPr kumimoji="1" lang="zh-CN" altLang="en-US" dirty="0"/>
+          </a:p>
+        </p:txBody>
+      </p:sp>
+      <p:sp>
+        <p:nvSpPr>
+          <p:cNvPr id="10" name="文本框 9">
+            <a:extLst>
+              <a:ext uri="{FF2B5EF4-FFF2-40B4-BE49-F238E27FC236}">
+                <a16:creationId xmlns:a16="http://schemas.microsoft.com/office/drawing/2014/main" id="{352BBD9F-AAB8-DA44-9F6A-BB74B07E2F5A}"/>
+              </a:ext>
+            </a:extLst>
+          </p:cNvPr>
+          <p:cNvSpPr txBox="1"/>
+          <p:nvPr/>
+        </p:nvSpPr>
+        <p:spPr>
+          <a:xfrm>
+            <a:off x="2551557" y="5471370"/>
+            <a:ext cx="415498" cy="369332"/>
+          </a:xfrm>
+          <a:prstGeom prst="rect">
+            <a:avLst/>
+          </a:prstGeom>
+          <a:noFill/>
+        </p:spPr>
+        <p:txBody>
+          <a:bodyPr wrap="none" rtlCol="0">
+            <a:spAutoFit/>
+          </a:bodyPr>
+          <a:lstStyle/>
+          <a:p>
+            <a:r>
+              <a:rPr lang="zh-CN" altLang="en-US" dirty="0"/>
+              <a:t>⑧</a:t>
+            </a:r>
+            <a:endParaRPr kumimoji="1" lang="zh-CN" altLang="en-US" dirty="0"/>
+          </a:p>
+        </p:txBody>
+      </p:sp>
+      <p:sp>
+        <p:nvSpPr>
+          <p:cNvPr id="11" name="文本框 10">
+            <a:extLst>
+              <a:ext uri="{FF2B5EF4-FFF2-40B4-BE49-F238E27FC236}">
+                <a16:creationId xmlns:a16="http://schemas.microsoft.com/office/drawing/2014/main" id="{C84928C1-0703-E845-B296-AC1CF072627D}"/>
+              </a:ext>
+            </a:extLst>
+          </p:cNvPr>
+          <p:cNvSpPr txBox="1"/>
+          <p:nvPr/>
+        </p:nvSpPr>
+        <p:spPr>
+          <a:xfrm>
+            <a:off x="11239585" y="3093303"/>
+            <a:ext cx="415498" cy="369332"/>
+          </a:xfrm>
+          <a:prstGeom prst="rect">
+            <a:avLst/>
+          </a:prstGeom>
+          <a:noFill/>
+        </p:spPr>
+        <p:txBody>
+          <a:bodyPr wrap="none" rtlCol="0">
+            <a:spAutoFit/>
+          </a:bodyPr>
+          <a:lstStyle/>
+          <a:p>
+            <a:r>
+              <a:rPr lang="zh-CN" altLang="en-US" dirty="0"/>
+              <a:t>⑨</a:t>
+            </a:r>
+            <a:endParaRPr kumimoji="1" lang="zh-CN" altLang="en-US" dirty="0"/>
+          </a:p>
+        </p:txBody>
+      </p:sp>
+      <p:sp>
+        <p:nvSpPr>
+          <p:cNvPr id="12" name="文本框 11">
+            <a:extLst>
+              <a:ext uri="{FF2B5EF4-FFF2-40B4-BE49-F238E27FC236}">
+                <a16:creationId xmlns:a16="http://schemas.microsoft.com/office/drawing/2014/main" id="{D765B594-9A30-9746-89E3-D1A786FBF694}"/>
+              </a:ext>
+            </a:extLst>
+          </p:cNvPr>
+          <p:cNvSpPr txBox="1"/>
+          <p:nvPr/>
+        </p:nvSpPr>
+        <p:spPr>
+          <a:xfrm>
+            <a:off x="746234" y="4645572"/>
+            <a:ext cx="415498" cy="369332"/>
+          </a:xfrm>
+          <a:prstGeom prst="rect">
+            <a:avLst/>
+          </a:prstGeom>
+          <a:noFill/>
+        </p:spPr>
+        <p:txBody>
+          <a:bodyPr wrap="none" rtlCol="0">
+            <a:spAutoFit/>
+          </a:bodyPr>
+          <a:lstStyle/>
+          <a:p>
+            <a:r>
+              <a:rPr lang="zh-CN" altLang="en-US" dirty="0"/>
+              <a:t>⑩</a:t>
+            </a:r>
+            <a:endParaRPr kumimoji="1" lang="zh-CN" altLang="en-US" dirty="0"/>
+          </a:p>
+        </p:txBody>
+      </p:sp>
+      <p:sp>
+        <p:nvSpPr>
+          <p:cNvPr id="13" name="文本框 12">
+            <a:extLst>
+              <a:ext uri="{FF2B5EF4-FFF2-40B4-BE49-F238E27FC236}">
+                <a16:creationId xmlns:a16="http://schemas.microsoft.com/office/drawing/2014/main" id="{5314312A-4285-3743-844C-9406AEFE28EC}"/>
+              </a:ext>
+            </a:extLst>
+          </p:cNvPr>
+          <p:cNvSpPr txBox="1"/>
+          <p:nvPr/>
+        </p:nvSpPr>
+        <p:spPr>
+          <a:xfrm>
+            <a:off x="11225517" y="3293312"/>
+            <a:ext cx="461986" cy="369332"/>
+          </a:xfrm>
+          <a:prstGeom prst="rect">
+            <a:avLst/>
+          </a:prstGeom>
+          <a:noFill/>
+        </p:spPr>
+        <p:txBody>
+          <a:bodyPr wrap="none" rtlCol="0">
+            <a:spAutoFit/>
+          </a:bodyPr>
+          <a:lstStyle/>
+          <a:p>
+            <a:r>
+              <a:rPr lang="zh-CN" altLang="en-US" dirty="0"/>
+              <a:t>⑪</a:t>
+            </a:r>
+            <a:endParaRPr kumimoji="1" lang="zh-CN" altLang="en-US" dirty="0"/>
+          </a:p>
+        </p:txBody>
+      </p:sp>
+      <p:sp>
+        <p:nvSpPr>
+          <p:cNvPr id="14" name="文本框 13">
+            <a:extLst>
+              <a:ext uri="{FF2B5EF4-FFF2-40B4-BE49-F238E27FC236}">
+                <a16:creationId xmlns:a16="http://schemas.microsoft.com/office/drawing/2014/main" id="{FC52893A-5B59-7745-955D-93CD4745E935}"/>
+              </a:ext>
+            </a:extLst>
+          </p:cNvPr>
+          <p:cNvSpPr txBox="1"/>
+          <p:nvPr/>
+        </p:nvSpPr>
+        <p:spPr>
+          <a:xfrm>
+            <a:off x="10791271" y="3157624"/>
+            <a:ext cx="461986" cy="369332"/>
+          </a:xfrm>
+          <a:prstGeom prst="rect">
+            <a:avLst/>
+          </a:prstGeom>
+          <a:noFill/>
+        </p:spPr>
+        <p:txBody>
+          <a:bodyPr wrap="none" rtlCol="0">
+            <a:spAutoFit/>
+          </a:bodyPr>
+          <a:lstStyle/>
+          <a:p>
+            <a:r>
+              <a:rPr lang="zh-CN" altLang="en-US" dirty="0"/>
+              <a:t>⑫</a:t>
+            </a:r>
+            <a:endParaRPr kumimoji="1" lang="zh-CN" altLang="en-US" dirty="0"/>
+          </a:p>
+        </p:txBody>
+      </p:sp>
+      <p:sp>
+        <p:nvSpPr>
+          <p:cNvPr id="15" name="文本框 14">
+            <a:extLst>
+              <a:ext uri="{FF2B5EF4-FFF2-40B4-BE49-F238E27FC236}">
+                <a16:creationId xmlns:a16="http://schemas.microsoft.com/office/drawing/2014/main" id="{A25E9FFF-A575-AF41-B38E-B2727B1DEC1B}"/>
+              </a:ext>
+            </a:extLst>
+          </p:cNvPr>
+          <p:cNvSpPr txBox="1"/>
+          <p:nvPr/>
+        </p:nvSpPr>
+        <p:spPr>
+          <a:xfrm>
+            <a:off x="3468414" y="2333297"/>
+            <a:ext cx="461986" cy="369332"/>
+          </a:xfrm>
+          <a:prstGeom prst="rect">
+            <a:avLst/>
+          </a:prstGeom>
+          <a:noFill/>
+        </p:spPr>
+        <p:txBody>
+          <a:bodyPr wrap="none" rtlCol="0">
+            <a:spAutoFit/>
+          </a:bodyPr>
+          <a:lstStyle/>
+          <a:p>
+            <a:r>
+              <a:rPr lang="zh-CN" altLang="en-US" dirty="0"/>
+              <a:t>⑬</a:t>
+            </a:r>
+            <a:endParaRPr kumimoji="1" lang="zh-CN" altLang="en-US" dirty="0"/>
+          </a:p>
+        </p:txBody>
+      </p:sp>
+      <p:sp>
+        <p:nvSpPr>
+          <p:cNvPr id="16" name="文本框 15">
+            <a:extLst>
+              <a:ext uri="{FF2B5EF4-FFF2-40B4-BE49-F238E27FC236}">
+                <a16:creationId xmlns:a16="http://schemas.microsoft.com/office/drawing/2014/main" id="{243789E3-9D04-3249-A84D-B65AA2E792BB}"/>
+              </a:ext>
+            </a:extLst>
+          </p:cNvPr>
+          <p:cNvSpPr txBox="1"/>
+          <p:nvPr/>
+        </p:nvSpPr>
+        <p:spPr>
+          <a:xfrm>
+            <a:off x="10891983" y="3542299"/>
+            <a:ext cx="461986" cy="369332"/>
+          </a:xfrm>
+          <a:prstGeom prst="rect">
+            <a:avLst/>
+          </a:prstGeom>
+          <a:noFill/>
+        </p:spPr>
+        <p:txBody>
+          <a:bodyPr wrap="none" rtlCol="0">
+            <a:spAutoFit/>
+          </a:bodyPr>
+          <a:lstStyle/>
+          <a:p>
+            <a:r>
+              <a:rPr lang="zh-CN" altLang="en-US" dirty="0"/>
+              <a:t>⑭</a:t>
+            </a:r>
+            <a:endParaRPr kumimoji="1" lang="zh-CN" altLang="en-US" dirty="0"/>
+          </a:p>
+        </p:txBody>
+      </p:sp>
+      <p:sp>
+        <p:nvSpPr>
+          <p:cNvPr id="17" name="文本框 16">
+            <a:extLst>
+              <a:ext uri="{FF2B5EF4-FFF2-40B4-BE49-F238E27FC236}">
+                <a16:creationId xmlns:a16="http://schemas.microsoft.com/office/drawing/2014/main" id="{C1947936-A47A-3943-8D1E-3F17A0ADDE70}"/>
+              </a:ext>
+            </a:extLst>
+          </p:cNvPr>
+          <p:cNvSpPr txBox="1"/>
+          <p:nvPr/>
+        </p:nvSpPr>
+        <p:spPr>
+          <a:xfrm>
+            <a:off x="641366" y="3582557"/>
+            <a:ext cx="461986" cy="369332"/>
+          </a:xfrm>
+          <a:prstGeom prst="rect">
+            <a:avLst/>
+          </a:prstGeom>
+          <a:noFill/>
+        </p:spPr>
+        <p:txBody>
+          <a:bodyPr wrap="none" rtlCol="0">
+            <a:spAutoFit/>
+          </a:bodyPr>
+          <a:lstStyle/>
+          <a:p>
+            <a:r>
+              <a:rPr lang="zh-CN" altLang="en-US" dirty="0"/>
+              <a:t>⑮</a:t>
             </a:r>
             <a:endParaRPr kumimoji="1" lang="zh-CN" altLang="en-US" dirty="0"/>
           </a:p>
